--- a/_lectures/week2/lecture_leds.pptx
+++ b/_lectures/week2/lecture_leds.pptx
@@ -15,10 +15,9 @@
     <p:sldId id="263" r:id="rId9"/>
     <p:sldId id="264" r:id="rId10"/>
     <p:sldId id="265" r:id="rId11"/>
-    <p:sldId id="266" r:id="rId12"/>
   </p:sldIdLst>
   <p:notesMasterIdLst>
-    <p:notesMasterId r:id="rId17"/>
+    <p:notesMasterId r:id="rId16"/>
   </p:notesMasterIdLst>
   <p:sldSz cx="12192000" cy="6858000" type="custom"/>
   <p:notesSz cx="6858000" cy="12192000"/>
@@ -601,8 +600,7 @@
           <a:p>
             <a:r>
               <a:rPr lang="en-US" dirty="0" smtClean="0"/>
-              <a:t>We haven't discussed KVL
-USB power is 5v. Datasheet shows LED has forward voltage 2v (3v remain). Max current is 30 mA, but good practice is use about half of that. Using V=I*R with 3v and 15 mA, R is 200 Ohms. Larger resistance is fine. Typically, 220 and 330 are common values</a:t>
+              <a:t/>
             </a:r>
             <a:endParaRPr lang="en-US" dirty="0"/>
           </a:p>
@@ -644,7 +642,7 @@
 </p:notes>
 </file>
 
-<file path=ppt/notesSlides/notesSlide11.xml><?xml version="1.0" encoding="utf-8"?>
+<file path=ppt/notesSlides/notesSlide2.xml><?xml version="1.0" encoding="utf-8"?>
 <p:notes xmlns:a="http://schemas.openxmlformats.org/drawingml/2006/main" xmlns:r="http://schemas.openxmlformats.org/officeDocument/2006/relationships" xmlns:p="http://schemas.openxmlformats.org/presentationml/2006/main">
   <p:cSld>
     <p:spTree>
@@ -713,7 +711,7 @@
           <a:p>
             <a:fld id="{F7021451-1387-4CA6-816F-3879F97B5CBC}" type="slidenum">
               <a:rPr lang="en-US" smtClean="0"/>
-              <a:t>11</a:t>
+              <a:t>2</a:t>
             </a:fld>
             <a:endParaRPr lang="en-US"/>
           </a:p>
@@ -732,7 +730,7 @@
 </p:notes>
 </file>
 
-<file path=ppt/notesSlides/notesSlide2.xml><?xml version="1.0" encoding="utf-8"?>
+<file path=ppt/notesSlides/notesSlide3.xml><?xml version="1.0" encoding="utf-8"?>
 <p:notes xmlns:a="http://schemas.openxmlformats.org/drawingml/2006/main" xmlns:r="http://schemas.openxmlformats.org/officeDocument/2006/relationships" xmlns:p="http://schemas.openxmlformats.org/presentationml/2006/main">
   <p:cSld>
     <p:spTree>
@@ -801,7 +799,7 @@
           <a:p>
             <a:fld id="{F7021451-1387-4CA6-816F-3879F97B5CBC}" type="slidenum">
               <a:rPr lang="en-US" smtClean="0"/>
-              <a:t>2</a:t>
+              <a:t>3</a:t>
             </a:fld>
             <a:endParaRPr lang="en-US"/>
           </a:p>
@@ -820,7 +818,7 @@
 </p:notes>
 </file>
 
-<file path=ppt/notesSlides/notesSlide3.xml><?xml version="1.0" encoding="utf-8"?>
+<file path=ppt/notesSlides/notesSlide4.xml><?xml version="1.0" encoding="utf-8"?>
 <p:notes xmlns:a="http://schemas.openxmlformats.org/drawingml/2006/main" xmlns:r="http://schemas.openxmlformats.org/officeDocument/2006/relationships" xmlns:p="http://schemas.openxmlformats.org/presentationml/2006/main">
   <p:cSld>
     <p:spTree>
@@ -889,7 +887,7 @@
           <a:p>
             <a:fld id="{F7021451-1387-4CA6-816F-3879F97B5CBC}" type="slidenum">
               <a:rPr lang="en-US" smtClean="0"/>
-              <a:t>3</a:t>
+              <a:t>4</a:t>
             </a:fld>
             <a:endParaRPr lang="en-US"/>
           </a:p>
@@ -908,7 +906,7 @@
 </p:notes>
 </file>
 
-<file path=ppt/notesSlides/notesSlide4.xml><?xml version="1.0" encoding="utf-8"?>
+<file path=ppt/notesSlides/notesSlide5.xml><?xml version="1.0" encoding="utf-8"?>
 <p:notes xmlns:a="http://schemas.openxmlformats.org/drawingml/2006/main" xmlns:r="http://schemas.openxmlformats.org/officeDocument/2006/relationships" xmlns:p="http://schemas.openxmlformats.org/presentationml/2006/main">
   <p:cSld>
     <p:spTree>
@@ -977,7 +975,7 @@
           <a:p>
             <a:fld id="{F7021451-1387-4CA6-816F-3879F97B5CBC}" type="slidenum">
               <a:rPr lang="en-US" smtClean="0"/>
-              <a:t>4</a:t>
+              <a:t>5</a:t>
             </a:fld>
             <a:endParaRPr lang="en-US"/>
           </a:p>
@@ -996,7 +994,7 @@
 </p:notes>
 </file>
 
-<file path=ppt/notesSlides/notesSlide5.xml><?xml version="1.0" encoding="utf-8"?>
+<file path=ppt/notesSlides/notesSlide6.xml><?xml version="1.0" encoding="utf-8"?>
 <p:notes xmlns:a="http://schemas.openxmlformats.org/drawingml/2006/main" xmlns:r="http://schemas.openxmlformats.org/officeDocument/2006/relationships" xmlns:p="http://schemas.openxmlformats.org/presentationml/2006/main">
   <p:cSld>
     <p:spTree>
@@ -1065,7 +1063,7 @@
           <a:p>
             <a:fld id="{F7021451-1387-4CA6-816F-3879F97B5CBC}" type="slidenum">
               <a:rPr lang="en-US" smtClean="0"/>
-              <a:t>5</a:t>
+              <a:t>6</a:t>
             </a:fld>
             <a:endParaRPr lang="en-US"/>
           </a:p>
@@ -1084,7 +1082,7 @@
 </p:notes>
 </file>
 
-<file path=ppt/notesSlides/notesSlide6.xml><?xml version="1.0" encoding="utf-8"?>
+<file path=ppt/notesSlides/notesSlide7.xml><?xml version="1.0" encoding="utf-8"?>
 <p:notes xmlns:a="http://schemas.openxmlformats.org/drawingml/2006/main" xmlns:r="http://schemas.openxmlformats.org/officeDocument/2006/relationships" xmlns:p="http://schemas.openxmlformats.org/presentationml/2006/main">
   <p:cSld>
     <p:spTree>
@@ -1153,7 +1151,7 @@
           <a:p>
             <a:fld id="{F7021451-1387-4CA6-816F-3879F97B5CBC}" type="slidenum">
               <a:rPr lang="en-US" smtClean="0"/>
-              <a:t>6</a:t>
+              <a:t>7</a:t>
             </a:fld>
             <a:endParaRPr lang="en-US"/>
           </a:p>
@@ -1172,7 +1170,7 @@
 </p:notes>
 </file>
 
-<file path=ppt/notesSlides/notesSlide7.xml><?xml version="1.0" encoding="utf-8"?>
+<file path=ppt/notesSlides/notesSlide8.xml><?xml version="1.0" encoding="utf-8"?>
 <p:notes xmlns:a="http://schemas.openxmlformats.org/drawingml/2006/main" xmlns:r="http://schemas.openxmlformats.org/officeDocument/2006/relationships" xmlns:p="http://schemas.openxmlformats.org/presentationml/2006/main">
   <p:cSld>
     <p:spTree>
@@ -1241,7 +1239,7 @@
           <a:p>
             <a:fld id="{F7021451-1387-4CA6-816F-3879F97B5CBC}" type="slidenum">
               <a:rPr lang="en-US" smtClean="0"/>
-              <a:t>7</a:t>
+              <a:t>8</a:t>
             </a:fld>
             <a:endParaRPr lang="en-US"/>
           </a:p>
@@ -1260,7 +1258,7 @@
 </p:notes>
 </file>
 
-<file path=ppt/notesSlides/notesSlide8.xml><?xml version="1.0" encoding="utf-8"?>
+<file path=ppt/notesSlides/notesSlide9.xml><?xml version="1.0" encoding="utf-8"?>
 <p:notes xmlns:a="http://schemas.openxmlformats.org/drawingml/2006/main" xmlns:r="http://schemas.openxmlformats.org/officeDocument/2006/relationships" xmlns:p="http://schemas.openxmlformats.org/presentationml/2006/main">
   <p:cSld>
     <p:spTree>
@@ -1306,95 +1304,14 @@
           <a:p>
             <a:r>
               <a:rPr lang="en-US" dirty="0" smtClean="0"/>
-              <a:t/>
-            </a:r>
-            <a:endParaRPr lang="en-US" dirty="0"/>
-          </a:p>
-        </p:txBody>
-      </p:sp>
-      <p:sp>
-        <p:nvSpPr>
-          <p:cNvPr id="4" name="Slide Number Placeholder 3"/>
-          <p:cNvSpPr>
-            <a:spLocks noGrp="1"/>
-          </p:cNvSpPr>
-          <p:nvPr>
-            <p:ph type="sldNum" sz="quarter" idx="10"/>
-          </p:nvPr>
-        </p:nvSpPr>
-        <p:spPr/>
-        <p:txBody>
-          <a:bodyPr/>
-          <a:lstStyle/>
-          <a:p>
-            <a:fld id="{F7021451-1387-4CA6-816F-3879F97B5CBC}" type="slidenum">
-              <a:rPr lang="en-US" smtClean="0"/>
-              <a:t>8</a:t>
-            </a:fld>
-            <a:endParaRPr lang="en-US"/>
-          </a:p>
-        </p:txBody>
-      </p:sp>
-    </p:spTree>
-    <p:extLst>
-      <p:ext uri="{BB962C8B-B14F-4D97-AF65-F5344CB8AC3E}">
-        <p14:creationId xmlns:p14="http://schemas.microsoft.com/office/powerpoint/2010/main" val="1024086991"/>
-      </p:ext>
-    </p:extLst>
-  </p:cSld>
-  <p:clrMapOvr>
-    <a:masterClrMapping/>
-  </p:clrMapOvr>
-</p:notes>
-</file>
-
-<file path=ppt/notesSlides/notesSlide9.xml><?xml version="1.0" encoding="utf-8"?>
-<p:notes xmlns:a="http://schemas.openxmlformats.org/drawingml/2006/main" xmlns:r="http://schemas.openxmlformats.org/officeDocument/2006/relationships" xmlns:p="http://schemas.openxmlformats.org/presentationml/2006/main">
-  <p:cSld>
-    <p:spTree>
-      <p:nvGrpSpPr>
-        <p:cNvPr id="1" name=""/>
-        <p:cNvGrpSpPr/>
-        <p:nvPr/>
-      </p:nvGrpSpPr>
-      <p:grpSpPr>
-        <a:xfrm>
-          <a:off x="0" y="0"/>
-          <a:ext cx="0" cy="0"/>
-          <a:chOff x="0" y="0"/>
-          <a:chExt cx="0" cy="0"/>
-        </a:xfrm>
-      </p:grpSpPr>
-      <p:sp>
-        <p:nvSpPr>
-          <p:cNvPr id="2" name="Slide Image Placeholder 1"/>
-          <p:cNvSpPr>
-            <a:spLocks noGrp="1" noRot="1" noChangeAspect="1"/>
-          </p:cNvSpPr>
-          <p:nvPr>
-            <p:ph type="sldImg"/>
-          </p:nvPr>
-        </p:nvSpPr>
-        <p:spPr/>
-      </p:sp>
-      <p:sp>
-        <p:nvSpPr>
-          <p:cNvPr id="3" name="Notes Placeholder 2"/>
-          <p:cNvSpPr>
-            <a:spLocks noGrp="1"/>
-          </p:cNvSpPr>
-          <p:nvPr>
-            <p:ph type="body" idx="1"/>
-          </p:nvPr>
-        </p:nvSpPr>
-        <p:spPr/>
-        <p:txBody>
-          <a:bodyPr/>
-          <a:lstStyle/>
-          <a:p>
-            <a:r>
-              <a:rPr lang="en-US" dirty="0" smtClean="0"/>
-              <a:t/>
+              <a:t>forward voltage is the voltage drop across the LED
+forward current is current the LED can handle&gt;
+## Choosing a Current-Limiting Resistor
+* Rule of Thumb: 330 Ohms or 220 Ohms are common options
+  - For this class, go ahead and use whichever is available
+* Why? 
+&lt;!-- We haven't discussed KVL
+USB power is 5v. Datasheet shows LED has forward voltage 2v (3v remain). Max current is 30 mA, but good practice is use about half of that. Using V=I*R with 3v and 15 mA, R is 200 Ohms. Larger resistance is fine. Typically, 220 and 330 are common values</a:t>
             </a:r>
             <a:endParaRPr lang="en-US" dirty="0"/>
           </a:p>
@@ -1539,45 +1456,6 @@
 </p:sldLayout>
 </file>
 
-<file path=ppt/slideLayouts/slideLayout12.xml><?xml version="1.0" encoding="utf-8"?>
-<p:sldLayout xmlns:a="http://schemas.openxmlformats.org/drawingml/2006/main" xmlns:r="http://schemas.openxmlformats.org/officeDocument/2006/relationships" xmlns:p="http://schemas.openxmlformats.org/presentationml/2006/main" preserve="1">
-  <p:cSld name="Page 11">
-    <p:bg>
-      <p:bgPr>
-        <a:blipFill dpi="0" rotWithShape="1">
-          <a:blip r:embed="rId1">
-            <a:lum/>
-          </a:blip>
-          <a:srcRect/>
-          <a:stretch>
-            <a:fillRect/>
-          </a:stretch>
-        </a:blipFill>
-        <a:effectLst/>
-      </p:bgPr>
-    </p:bg>
-    <p:spTree>
-      <p:nvGrpSpPr>
-        <p:cNvPr id="1" name=""/>
-        <p:cNvGrpSpPr/>
-        <p:nvPr/>
-      </p:nvGrpSpPr>
-      <p:grpSpPr>
-        <a:xfrm>
-          <a:off x="0" y="0"/>
-          <a:ext cx="0" cy="0"/>
-          <a:chOff x="0" y="0"/>
-          <a:chExt cx="0" cy="0"/>
-        </a:xfrm>
-      </p:grpSpPr>
-    </p:spTree>
-  </p:cSld>
-  <p:clrMapOvr>
-    <a:masterClrMapping/>
-  </p:clrMapOvr>
-</p:sldLayout>
-</file>
-
 <file path=ppt/slideLayouts/slideLayout2.xml><?xml version="1.0" encoding="utf-8"?>
 <p:sldLayout xmlns:a="http://schemas.openxmlformats.org/drawingml/2006/main" xmlns:r="http://schemas.openxmlformats.org/officeDocument/2006/relationships" xmlns:p="http://schemas.openxmlformats.org/presentationml/2006/main" preserve="1">
   <p:cSld name="Page 1">
@@ -1922,7 +1800,6 @@
     <p:sldLayoutId id="2147483657" r:id="rId9"/>
     <p:sldLayoutId id="2147483658" r:id="rId10"/>
     <p:sldLayoutId id="2147483659" r:id="rId11"/>
-    <p:sldLayoutId id="2147483660" r:id="rId12"/>
   </p:sldLayoutIdLst>
   <p:hf sldNum="0" hdr="0" ftr="0" dt="0"/>
   <p:txStyles>
@@ -2206,31 +2083,6 @@
 <file path=ppt/slides/slide10.xml><?xml version="1.0" encoding="utf-8"?>
 <p:sld xmlns:a="http://schemas.openxmlformats.org/drawingml/2006/main" xmlns:r="http://schemas.openxmlformats.org/officeDocument/2006/relationships" xmlns:p="http://schemas.openxmlformats.org/presentationml/2006/main">
   <p:cSld name="Slide 10">
-    <p:spTree>
-      <p:nvGrpSpPr>
-        <p:cNvPr id="1" name=""/>
-        <p:cNvGrpSpPr/>
-        <p:nvPr/>
-      </p:nvGrpSpPr>
-      <p:grpSpPr>
-        <a:xfrm>
-          <a:off x="0" y="0"/>
-          <a:ext cx="0" cy="0"/>
-          <a:chOff x="0" y="0"/>
-          <a:chExt cx="0" cy="0"/>
-        </a:xfrm>
-      </p:grpSpPr>
-    </p:spTree>
-  </p:cSld>
-  <p:clrMapOvr>
-    <a:masterClrMapping/>
-  </p:clrMapOvr>
-</p:sld>
-</file>
-
-<file path=ppt/slides/slide11.xml><?xml version="1.0" encoding="utf-8"?>
-<p:sld xmlns:a="http://schemas.openxmlformats.org/drawingml/2006/main" xmlns:r="http://schemas.openxmlformats.org/officeDocument/2006/relationships" xmlns:p="http://schemas.openxmlformats.org/presentationml/2006/main">
-  <p:cSld name="Slide 11">
     <p:spTree>
       <p:nvGrpSpPr>
         <p:cNvPr id="1" name=""/>
